--- a/doc/第3回文字列操作アルゴリズム文字列の置換.pptx
+++ b/doc/第3回文字列操作アルゴリズム文字列の置換.pptx
@@ -204,7 +204,7 @@
           <a:p>
             <a:fld id="{421683E1-AD3C-4045-AD4B-7601171D4E82}" type="datetimeFigureOut">
               <a:rPr kumimoji="1" lang="ja-JP" altLang="en-US" smtClean="0"/>
-              <a:t>2019/10/17</a:t>
+              <a:t>2019/10/23</a:t>
             </a:fld>
             <a:endParaRPr kumimoji="1" lang="ja-JP" altLang="en-US"/>
           </a:p>
@@ -418,7 +418,7 @@
           <a:p>
             <a:fld id="{BC217E9B-DFCD-4DFE-B7ED-A5F6001EB7CB}" type="datetimeFigureOut">
               <a:rPr kumimoji="1" lang="ja-JP" altLang="en-US" smtClean="0"/>
-              <a:t>2019/10/17</a:t>
+              <a:t>2019/10/23</a:t>
             </a:fld>
             <a:endParaRPr kumimoji="1" lang="ja-JP" altLang="en-US"/>
           </a:p>
@@ -620,7 +620,7 @@
           <a:p>
             <a:fld id="{BC217E9B-DFCD-4DFE-B7ED-A5F6001EB7CB}" type="datetimeFigureOut">
               <a:rPr kumimoji="1" lang="ja-JP" altLang="en-US" smtClean="0"/>
-              <a:t>2019/10/17</a:t>
+              <a:t>2019/10/23</a:t>
             </a:fld>
             <a:endParaRPr kumimoji="1" lang="ja-JP" altLang="en-US"/>
           </a:p>
@@ -832,7 +832,7 @@
           <a:p>
             <a:fld id="{BC217E9B-DFCD-4DFE-B7ED-A5F6001EB7CB}" type="datetimeFigureOut">
               <a:rPr kumimoji="1" lang="ja-JP" altLang="en-US" smtClean="0"/>
-              <a:t>2019/10/17</a:t>
+              <a:t>2019/10/23</a:t>
             </a:fld>
             <a:endParaRPr kumimoji="1" lang="ja-JP" altLang="en-US"/>
           </a:p>
@@ -1034,7 +1034,7 @@
           <a:p>
             <a:fld id="{BC217E9B-DFCD-4DFE-B7ED-A5F6001EB7CB}" type="datetimeFigureOut">
               <a:rPr kumimoji="1" lang="ja-JP" altLang="en-US" smtClean="0"/>
-              <a:t>2019/10/17</a:t>
+              <a:t>2019/10/23</a:t>
             </a:fld>
             <a:endParaRPr kumimoji="1" lang="ja-JP" altLang="en-US"/>
           </a:p>
@@ -1280,7 +1280,7 @@
           <a:p>
             <a:fld id="{BC217E9B-DFCD-4DFE-B7ED-A5F6001EB7CB}" type="datetimeFigureOut">
               <a:rPr kumimoji="1" lang="ja-JP" altLang="en-US" smtClean="0"/>
-              <a:t>2019/10/17</a:t>
+              <a:t>2019/10/23</a:t>
             </a:fld>
             <a:endParaRPr kumimoji="1" lang="ja-JP" altLang="en-US"/>
           </a:p>
@@ -1576,7 +1576,7 @@
           <a:p>
             <a:fld id="{BC217E9B-DFCD-4DFE-B7ED-A5F6001EB7CB}" type="datetimeFigureOut">
               <a:rPr kumimoji="1" lang="ja-JP" altLang="en-US" smtClean="0"/>
-              <a:t>2019/10/17</a:t>
+              <a:t>2019/10/23</a:t>
             </a:fld>
             <a:endParaRPr kumimoji="1" lang="ja-JP" altLang="en-US"/>
           </a:p>
@@ -2007,7 +2007,7 @@
           <a:p>
             <a:fld id="{BC217E9B-DFCD-4DFE-B7ED-A5F6001EB7CB}" type="datetimeFigureOut">
               <a:rPr kumimoji="1" lang="ja-JP" altLang="en-US" smtClean="0"/>
-              <a:t>2019/10/17</a:t>
+              <a:t>2019/10/23</a:t>
             </a:fld>
             <a:endParaRPr kumimoji="1" lang="ja-JP" altLang="en-US"/>
           </a:p>
@@ -2125,7 +2125,7 @@
           <a:p>
             <a:fld id="{BC217E9B-DFCD-4DFE-B7ED-A5F6001EB7CB}" type="datetimeFigureOut">
               <a:rPr kumimoji="1" lang="ja-JP" altLang="en-US" smtClean="0"/>
-              <a:t>2019/10/17</a:t>
+              <a:t>2019/10/23</a:t>
             </a:fld>
             <a:endParaRPr kumimoji="1" lang="ja-JP" altLang="en-US"/>
           </a:p>
@@ -2220,7 +2220,7 @@
           <a:p>
             <a:fld id="{BC217E9B-DFCD-4DFE-B7ED-A5F6001EB7CB}" type="datetimeFigureOut">
               <a:rPr kumimoji="1" lang="ja-JP" altLang="en-US" smtClean="0"/>
-              <a:t>2019/10/17</a:t>
+              <a:t>2019/10/23</a:t>
             </a:fld>
             <a:endParaRPr kumimoji="1" lang="ja-JP" altLang="en-US"/>
           </a:p>
@@ -2529,7 +2529,7 @@
           <a:p>
             <a:fld id="{BC217E9B-DFCD-4DFE-B7ED-A5F6001EB7CB}" type="datetimeFigureOut">
               <a:rPr kumimoji="1" lang="ja-JP" altLang="en-US" smtClean="0"/>
-              <a:t>2019/10/17</a:t>
+              <a:t>2019/10/23</a:t>
             </a:fld>
             <a:endParaRPr kumimoji="1" lang="ja-JP" altLang="en-US"/>
           </a:p>
@@ -2782,7 +2782,7 @@
           <a:p>
             <a:fld id="{BC217E9B-DFCD-4DFE-B7ED-A5F6001EB7CB}" type="datetimeFigureOut">
               <a:rPr kumimoji="1" lang="ja-JP" altLang="en-US" smtClean="0"/>
-              <a:t>2019/10/17</a:t>
+              <a:t>2019/10/23</a:t>
             </a:fld>
             <a:endParaRPr kumimoji="1" lang="ja-JP" altLang="en-US"/>
           </a:p>
@@ -3027,7 +3027,7 @@
           <a:p>
             <a:fld id="{BC217E9B-DFCD-4DFE-B7ED-A5F6001EB7CB}" type="datetimeFigureOut">
               <a:rPr kumimoji="1" lang="ja-JP" altLang="en-US" smtClean="0"/>
-              <a:t>2019/10/17</a:t>
+              <a:t>2019/10/23</a:t>
             </a:fld>
             <a:endParaRPr kumimoji="1" lang="ja-JP" altLang="en-US"/>
           </a:p>
@@ -3492,11 +3492,19 @@
             </a:r>
             <a:r>
               <a:rPr lang="ja-JP" altLang="en-US" sz="4000" dirty="0" smtClean="0"/>
-              <a:t>文字列操作アルゴリズムその</a:t>
+              <a:t>文字列操作</a:t>
+            </a:r>
+            <a:r>
+              <a:rPr lang="ja-JP" altLang="en-US" sz="4000" dirty="0" smtClean="0"/>
+              <a:t>アルゴリズムその</a:t>
             </a:r>
             <a:r>
               <a:rPr lang="en-US" altLang="ja-JP" sz="4000" dirty="0" smtClean="0"/>
-              <a:t>1”</a:t>
+              <a:t>2”</a:t>
+            </a:r>
+            <a:r>
+              <a:rPr lang="en-US" altLang="ja-JP" sz="4000" dirty="0" smtClean="0"/>
+              <a:t/>
             </a:r>
             <a:br>
               <a:rPr lang="en-US" altLang="ja-JP" sz="4000" dirty="0" smtClean="0"/>
